--- a/Laboratories/Lab1/A_Little_R_Programming.pptx
+++ b/Laboratories/Lab1/A_Little_R_Programming.pptx
@@ -306,7 +306,7 @@
           <a:p>
             <a:fld id="{8B63EF87-1107-854A-B272-35DD27C40CBE}" type="datetimeFigureOut">
               <a:rPr lang="en-US" smtClean="0"/>
-              <a:t>9/13/20</a:t>
+              <a:t>9/7/23</a:t>
             </a:fld>
             <a:endParaRPr lang="en-US"/>
           </a:p>
@@ -474,7 +474,7 @@
           <a:p>
             <a:fld id="{8B63EF87-1107-854A-B272-35DD27C40CBE}" type="datetimeFigureOut">
               <a:rPr lang="en-US" smtClean="0"/>
-              <a:t>9/13/20</a:t>
+              <a:t>9/7/23</a:t>
             </a:fld>
             <a:endParaRPr lang="en-US"/>
           </a:p>
@@ -652,7 +652,7 @@
           <a:p>
             <a:fld id="{8B63EF87-1107-854A-B272-35DD27C40CBE}" type="datetimeFigureOut">
               <a:rPr lang="en-US" smtClean="0"/>
-              <a:t>9/13/20</a:t>
+              <a:t>9/7/23</a:t>
             </a:fld>
             <a:endParaRPr lang="en-US"/>
           </a:p>
@@ -820,7 +820,7 @@
           <a:p>
             <a:fld id="{8B63EF87-1107-854A-B272-35DD27C40CBE}" type="datetimeFigureOut">
               <a:rPr lang="en-US" smtClean="0"/>
-              <a:t>9/13/20</a:t>
+              <a:t>9/7/23</a:t>
             </a:fld>
             <a:endParaRPr lang="en-US"/>
           </a:p>
@@ -1065,7 +1065,7 @@
           <a:p>
             <a:fld id="{8B63EF87-1107-854A-B272-35DD27C40CBE}" type="datetimeFigureOut">
               <a:rPr lang="en-US" smtClean="0"/>
-              <a:t>9/13/20</a:t>
+              <a:t>9/7/23</a:t>
             </a:fld>
             <a:endParaRPr lang="en-US"/>
           </a:p>
@@ -1350,7 +1350,7 @@
           <a:p>
             <a:fld id="{8B63EF87-1107-854A-B272-35DD27C40CBE}" type="datetimeFigureOut">
               <a:rPr lang="en-US" smtClean="0"/>
-              <a:t>9/13/20</a:t>
+              <a:t>9/7/23</a:t>
             </a:fld>
             <a:endParaRPr lang="en-US"/>
           </a:p>
@@ -1769,7 +1769,7 @@
           <a:p>
             <a:fld id="{8B63EF87-1107-854A-B272-35DD27C40CBE}" type="datetimeFigureOut">
               <a:rPr lang="en-US" smtClean="0"/>
-              <a:t>9/13/20</a:t>
+              <a:t>9/7/23</a:t>
             </a:fld>
             <a:endParaRPr lang="en-US"/>
           </a:p>
@@ -1886,7 +1886,7 @@
           <a:p>
             <a:fld id="{8B63EF87-1107-854A-B272-35DD27C40CBE}" type="datetimeFigureOut">
               <a:rPr lang="en-US" smtClean="0"/>
-              <a:t>9/13/20</a:t>
+              <a:t>9/7/23</a:t>
             </a:fld>
             <a:endParaRPr lang="en-US"/>
           </a:p>
@@ -1981,7 +1981,7 @@
           <a:p>
             <a:fld id="{8B63EF87-1107-854A-B272-35DD27C40CBE}" type="datetimeFigureOut">
               <a:rPr lang="en-US" smtClean="0"/>
-              <a:t>9/13/20</a:t>
+              <a:t>9/7/23</a:t>
             </a:fld>
             <a:endParaRPr lang="en-US"/>
           </a:p>
@@ -2256,7 +2256,7 @@
           <a:p>
             <a:fld id="{8B63EF87-1107-854A-B272-35DD27C40CBE}" type="datetimeFigureOut">
               <a:rPr lang="en-US" smtClean="0"/>
-              <a:t>9/13/20</a:t>
+              <a:t>9/7/23</a:t>
             </a:fld>
             <a:endParaRPr lang="en-US"/>
           </a:p>
@@ -2508,7 +2508,7 @@
           <a:p>
             <a:fld id="{8B63EF87-1107-854A-B272-35DD27C40CBE}" type="datetimeFigureOut">
               <a:rPr lang="en-US" smtClean="0"/>
-              <a:t>9/13/20</a:t>
+              <a:t>9/7/23</a:t>
             </a:fld>
             <a:endParaRPr lang="en-US"/>
           </a:p>
@@ -2719,7 +2719,7 @@
           <a:p>
             <a:fld id="{8B63EF87-1107-854A-B272-35DD27C40CBE}" type="datetimeFigureOut">
               <a:rPr lang="en-US" smtClean="0"/>
-              <a:t>9/13/20</a:t>
+              <a:t>9/7/23</a:t>
             </a:fld>
             <a:endParaRPr lang="en-US"/>
           </a:p>
@@ -4264,7 +4264,7 @@
                 <a:latin typeface="Courier"/>
                 <a:cs typeface="Courier"/>
               </a:rPr>
-              <a:t>planck.distribution.nutilde</a:t>
+              <a:t>pplanck.distribution.nutilde</a:t>
             </a:r>
             <a:r>
               <a:rPr lang="en-US" sz="1600" dirty="0">
@@ -4624,7 +4624,27 @@
                 <a:latin typeface="Courier"/>
                 <a:cs typeface="Courier"/>
               </a:rPr>
-              <a:t>="l", </a:t>
+              <a:t>=</a:t>
+            </a:r>
+            <a:r>
+              <a:rPr lang="en-US" sz="1600" dirty="0">
+                <a:solidFill>
+                  <a:srgbClr val="00B050"/>
+                </a:solidFill>
+                <a:latin typeface="Courier"/>
+                <a:cs typeface="Courier"/>
+              </a:rPr>
+              <a:t>"l"</a:t>
+            </a:r>
+            <a:r>
+              <a:rPr lang="en-US" sz="1600" dirty="0">
+                <a:solidFill>
+                  <a:schemeClr val="bg1"/>
+                </a:solidFill>
+                <a:latin typeface="Courier"/>
+                <a:cs typeface="Courier"/>
+              </a:rPr>
+              <a:t>, </a:t>
             </a:r>
             <a:r>
               <a:rPr lang="en-US" sz="1600" dirty="0" err="1">
@@ -4644,7 +4664,27 @@
                 <a:latin typeface="Courier"/>
                 <a:cs typeface="Courier"/>
               </a:rPr>
-              <a:t>="nu-tilde (m^-1)", </a:t>
+              <a:t>=</a:t>
+            </a:r>
+            <a:r>
+              <a:rPr lang="en-US" sz="1600" dirty="0">
+                <a:solidFill>
+                  <a:srgbClr val="00B050"/>
+                </a:solidFill>
+                <a:latin typeface="Courier"/>
+                <a:cs typeface="Courier"/>
+              </a:rPr>
+              <a:t>"nu-tilde (m^-1)"</a:t>
+            </a:r>
+            <a:r>
+              <a:rPr lang="en-US" sz="1600" dirty="0">
+                <a:solidFill>
+                  <a:schemeClr val="bg1"/>
+                </a:solidFill>
+                <a:latin typeface="Courier"/>
+                <a:cs typeface="Courier"/>
+              </a:rPr>
+              <a:t>, </a:t>
             </a:r>
             <a:r>
               <a:rPr lang="en-US" sz="1600" dirty="0" err="1">
@@ -4664,19 +4704,59 @@
                 <a:latin typeface="Courier"/>
                 <a:cs typeface="Courier"/>
               </a:rPr>
-              <a:t>="Intensity”,</a:t>
-            </a:r>
-          </a:p>
-          <a:p>
+              <a:t>=</a:t>
+            </a:r>
             <a:r>
               <a:rPr lang="en-US" sz="1600" dirty="0">
                 <a:solidFill>
+                  <a:srgbClr val="00B050"/>
+                </a:solidFill>
+                <a:latin typeface="Courier"/>
+                <a:cs typeface="Courier"/>
+              </a:rPr>
+              <a:t>"Intensity"</a:t>
+            </a:r>
+            <a:r>
+              <a:rPr lang="en-US" sz="1600" dirty="0">
+                <a:solidFill>
                   <a:schemeClr val="bg1"/>
                 </a:solidFill>
                 <a:latin typeface="Courier"/>
                 <a:cs typeface="Courier"/>
               </a:rPr>
-              <a:t>                          main="Planck's distribution”) </a:t>
+              <a:t>,</a:t>
+            </a:r>
+          </a:p>
+          <a:p>
+            <a:r>
+              <a:rPr lang="en-US" sz="1600" dirty="0">
+                <a:solidFill>
+                  <a:schemeClr val="bg1"/>
+                </a:solidFill>
+                <a:latin typeface="Courier"/>
+                <a:cs typeface="Courier"/>
+              </a:rPr>
+              <a:t>                          main=</a:t>
+            </a:r>
+            <a:r>
+              <a:rPr lang="en-US" sz="1600" dirty="0">
+                <a:solidFill>
+                  <a:srgbClr val="00B050"/>
+                </a:solidFill>
+                <a:latin typeface="Courier"/>
+                <a:cs typeface="Courier"/>
+              </a:rPr>
+              <a:t>"Planck's distribution"</a:t>
+            </a:r>
+            <a:r>
+              <a:rPr lang="en-US" sz="1600" dirty="0">
+                <a:solidFill>
+                  <a:schemeClr val="bg1"/>
+                </a:solidFill>
+                <a:latin typeface="Courier"/>
+                <a:cs typeface="Courier"/>
+              </a:rPr>
+              <a:t>) </a:t>
             </a:r>
           </a:p>
           <a:p>
@@ -4943,7 +5023,7 @@
                 <a:latin typeface="Courier"/>
                 <a:cs typeface="Courier"/>
               </a:rPr>
-              <a:t>planck.distribution.nutilde</a:t>
+              <a:t>pplanck.distribution.nutilde</a:t>
             </a:r>
             <a:r>
               <a:rPr lang="en-US" sz="1600" dirty="0">

--- a/Laboratories/Lab1/A_Little_R_Programming.pptx
+++ b/Laboratories/Lab1/A_Little_R_Programming.pptx
@@ -8,8 +8,10 @@
     <p:sldId id="260" r:id="rId2"/>
     <p:sldId id="256" r:id="rId3"/>
     <p:sldId id="257" r:id="rId4"/>
-    <p:sldId id="258" r:id="rId5"/>
-    <p:sldId id="259" r:id="rId6"/>
+    <p:sldId id="278" r:id="rId5"/>
+    <p:sldId id="282" r:id="rId6"/>
+    <p:sldId id="258" r:id="rId7"/>
+    <p:sldId id="259" r:id="rId8"/>
   </p:sldIdLst>
   <p:sldSz cx="9144000" cy="6858000" type="screen4x3"/>
   <p:notesSz cx="6858000" cy="9144000"/>
@@ -306,7 +308,7 @@
           <a:p>
             <a:fld id="{8B63EF87-1107-854A-B272-35DD27C40CBE}" type="datetimeFigureOut">
               <a:rPr lang="en-US" smtClean="0"/>
-              <a:t>9/7/23</a:t>
+              <a:t>1/17/25</a:t>
             </a:fld>
             <a:endParaRPr lang="en-US"/>
           </a:p>
@@ -474,7 +476,7 @@
           <a:p>
             <a:fld id="{8B63EF87-1107-854A-B272-35DD27C40CBE}" type="datetimeFigureOut">
               <a:rPr lang="en-US" smtClean="0"/>
-              <a:t>9/7/23</a:t>
+              <a:t>1/17/25</a:t>
             </a:fld>
             <a:endParaRPr lang="en-US"/>
           </a:p>
@@ -652,7 +654,7 @@
           <a:p>
             <a:fld id="{8B63EF87-1107-854A-B272-35DD27C40CBE}" type="datetimeFigureOut">
               <a:rPr lang="en-US" smtClean="0"/>
-              <a:t>9/7/23</a:t>
+              <a:t>1/17/25</a:t>
             </a:fld>
             <a:endParaRPr lang="en-US"/>
           </a:p>
@@ -820,7 +822,7 @@
           <a:p>
             <a:fld id="{8B63EF87-1107-854A-B272-35DD27C40CBE}" type="datetimeFigureOut">
               <a:rPr lang="en-US" smtClean="0"/>
-              <a:t>9/7/23</a:t>
+              <a:t>1/17/25</a:t>
             </a:fld>
             <a:endParaRPr lang="en-US"/>
           </a:p>
@@ -1065,7 +1067,7 @@
           <a:p>
             <a:fld id="{8B63EF87-1107-854A-B272-35DD27C40CBE}" type="datetimeFigureOut">
               <a:rPr lang="en-US" smtClean="0"/>
-              <a:t>9/7/23</a:t>
+              <a:t>1/17/25</a:t>
             </a:fld>
             <a:endParaRPr lang="en-US"/>
           </a:p>
@@ -1350,7 +1352,7 @@
           <a:p>
             <a:fld id="{8B63EF87-1107-854A-B272-35DD27C40CBE}" type="datetimeFigureOut">
               <a:rPr lang="en-US" smtClean="0"/>
-              <a:t>9/7/23</a:t>
+              <a:t>1/17/25</a:t>
             </a:fld>
             <a:endParaRPr lang="en-US"/>
           </a:p>
@@ -1769,7 +1771,7 @@
           <a:p>
             <a:fld id="{8B63EF87-1107-854A-B272-35DD27C40CBE}" type="datetimeFigureOut">
               <a:rPr lang="en-US" smtClean="0"/>
-              <a:t>9/7/23</a:t>
+              <a:t>1/17/25</a:t>
             </a:fld>
             <a:endParaRPr lang="en-US"/>
           </a:p>
@@ -1886,7 +1888,7 @@
           <a:p>
             <a:fld id="{8B63EF87-1107-854A-B272-35DD27C40CBE}" type="datetimeFigureOut">
               <a:rPr lang="en-US" smtClean="0"/>
-              <a:t>9/7/23</a:t>
+              <a:t>1/17/25</a:t>
             </a:fld>
             <a:endParaRPr lang="en-US"/>
           </a:p>
@@ -1981,7 +1983,7 @@
           <a:p>
             <a:fld id="{8B63EF87-1107-854A-B272-35DD27C40CBE}" type="datetimeFigureOut">
               <a:rPr lang="en-US" smtClean="0"/>
-              <a:t>9/7/23</a:t>
+              <a:t>1/17/25</a:t>
             </a:fld>
             <a:endParaRPr lang="en-US"/>
           </a:p>
@@ -2256,7 +2258,7 @@
           <a:p>
             <a:fld id="{8B63EF87-1107-854A-B272-35DD27C40CBE}" type="datetimeFigureOut">
               <a:rPr lang="en-US" smtClean="0"/>
-              <a:t>9/7/23</a:t>
+              <a:t>1/17/25</a:t>
             </a:fld>
             <a:endParaRPr lang="en-US"/>
           </a:p>
@@ -2508,7 +2510,7 @@
           <a:p>
             <a:fld id="{8B63EF87-1107-854A-B272-35DD27C40CBE}" type="datetimeFigureOut">
               <a:rPr lang="en-US" smtClean="0"/>
-              <a:t>9/7/23</a:t>
+              <a:t>1/17/25</a:t>
             </a:fld>
             <a:endParaRPr lang="en-US"/>
           </a:p>
@@ -2719,7 +2721,7 @@
           <a:p>
             <a:fld id="{8B63EF87-1107-854A-B272-35DD27C40CBE}" type="datetimeFigureOut">
               <a:rPr lang="en-US" smtClean="0"/>
-              <a:t>9/7/23</a:t>
+              <a:t>1/17/25</a:t>
             </a:fld>
             <a:endParaRPr lang="en-US"/>
           </a:p>
@@ -4064,6 +4066,862 @@
           <a:chExt cx="0" cy="0"/>
         </a:xfrm>
       </p:grpSpPr>
+      <p:sp>
+        <p:nvSpPr>
+          <p:cNvPr id="2" name="Rectangle 1">
+            <a:extLst>
+              <a:ext uri="{FF2B5EF4-FFF2-40B4-BE49-F238E27FC236}">
+                <a16:creationId xmlns:a16="http://schemas.microsoft.com/office/drawing/2014/main" id="{E05B660B-E8A9-9747-BB69-784A0784DF18}"/>
+              </a:ext>
+            </a:extLst>
+          </p:cNvPr>
+          <p:cNvSpPr/>
+          <p:nvPr/>
+        </p:nvSpPr>
+        <p:spPr>
+          <a:xfrm>
+            <a:off x="34725" y="3037467"/>
+            <a:ext cx="9078091" cy="784830"/>
+          </a:xfrm>
+          <a:prstGeom prst="rect">
+            <a:avLst/>
+          </a:prstGeom>
+          <a:solidFill>
+            <a:srgbClr val="000C78"/>
+          </a:solidFill>
+        </p:spPr>
+        <p:txBody>
+          <a:bodyPr wrap="square">
+            <a:spAutoFit/>
+          </a:bodyPr>
+          <a:lstStyle/>
+          <a:p>
+            <a:r>
+              <a:rPr lang="en-US" sz="1500" dirty="0" err="1">
+                <a:solidFill>
+                  <a:schemeClr val="bg1"/>
+                </a:solidFill>
+                <a:latin typeface="Courier" pitchFamily="2" charset="0"/>
+              </a:rPr>
+              <a:t>install.packages</a:t>
+            </a:r>
+            <a:r>
+              <a:rPr lang="en-US" sz="1500" dirty="0">
+                <a:solidFill>
+                  <a:schemeClr val="bg1"/>
+                </a:solidFill>
+                <a:latin typeface="Courier" pitchFamily="2" charset="0"/>
+              </a:rPr>
+              <a:t>(</a:t>
+            </a:r>
+            <a:r>
+              <a:rPr lang="en-US" sz="1500" dirty="0">
+                <a:solidFill>
+                  <a:srgbClr val="00B050"/>
+                </a:solidFill>
+                <a:latin typeface="Courier" pitchFamily="2" charset="0"/>
+              </a:rPr>
+              <a:t>"remotes"</a:t>
+            </a:r>
+            <a:r>
+              <a:rPr lang="en-US" sz="1500" dirty="0">
+                <a:solidFill>
+                  <a:schemeClr val="bg1"/>
+                </a:solidFill>
+                <a:latin typeface="Courier" pitchFamily="2" charset="0"/>
+              </a:rPr>
+              <a:t>)        </a:t>
+            </a:r>
+            <a:r>
+              <a:rPr lang="en-US" sz="1500" dirty="0">
+                <a:solidFill>
+                  <a:srgbClr val="FFFF00"/>
+                </a:solidFill>
+                <a:latin typeface="Courier" pitchFamily="2" charset="0"/>
+              </a:rPr>
+              <a:t># package to install R stuff from GitHub</a:t>
+            </a:r>
+          </a:p>
+          <a:p>
+            <a:r>
+              <a:rPr lang="en-US" sz="1500" dirty="0">
+                <a:solidFill>
+                  <a:schemeClr val="bg1"/>
+                </a:solidFill>
+                <a:latin typeface="Courier" pitchFamily="2" charset="0"/>
+                <a:cs typeface="Courier"/>
+              </a:rPr>
+              <a:t>library(</a:t>
+            </a:r>
+            <a:r>
+              <a:rPr lang="en-US" sz="1500" dirty="0" err="1">
+                <a:solidFill>
+                  <a:schemeClr val="bg1"/>
+                </a:solidFill>
+                <a:latin typeface="Courier" pitchFamily="2" charset="0"/>
+                <a:cs typeface="Courier"/>
+              </a:rPr>
+              <a:t>devtools</a:t>
+            </a:r>
+            <a:r>
+              <a:rPr lang="en-US" sz="1500" dirty="0">
+                <a:solidFill>
+                  <a:schemeClr val="bg1"/>
+                </a:solidFill>
+                <a:latin typeface="Courier" pitchFamily="2" charset="0"/>
+                <a:cs typeface="Courier"/>
+              </a:rPr>
+              <a:t>)                  </a:t>
+            </a:r>
+            <a:r>
+              <a:rPr lang="en-US" sz="1500" dirty="0">
+                <a:solidFill>
+                  <a:srgbClr val="FFFF00"/>
+                </a:solidFill>
+                <a:latin typeface="Courier" pitchFamily="2" charset="0"/>
+              </a:rPr>
+              <a:t># load remotes</a:t>
+            </a:r>
+            <a:endParaRPr lang="en-US" sz="1500" dirty="0">
+              <a:solidFill>
+                <a:srgbClr val="FFFF00"/>
+              </a:solidFill>
+              <a:latin typeface="Courier" pitchFamily="2" charset="0"/>
+              <a:cs typeface="Courier"/>
+            </a:endParaRPr>
+          </a:p>
+          <a:p>
+            <a:r>
+              <a:rPr lang="en-US" sz="1500" dirty="0" err="1">
+                <a:solidFill>
+                  <a:schemeClr val="bg1"/>
+                </a:solidFill>
+                <a:latin typeface="Courier" pitchFamily="2" charset="0"/>
+                <a:cs typeface="Courier"/>
+              </a:rPr>
+              <a:t>install_github</a:t>
+            </a:r>
+            <a:r>
+              <a:rPr lang="en-US" sz="1500" dirty="0">
+                <a:solidFill>
+                  <a:schemeClr val="bg1"/>
+                </a:solidFill>
+                <a:latin typeface="Courier" pitchFamily="2" charset="0"/>
+                <a:cs typeface="Courier"/>
+              </a:rPr>
+              <a:t>(</a:t>
+            </a:r>
+            <a:r>
+              <a:rPr lang="en-US" sz="1500" dirty="0">
+                <a:solidFill>
+                  <a:srgbClr val="00B050"/>
+                </a:solidFill>
+                <a:latin typeface="Courier" pitchFamily="2" charset="0"/>
+                <a:cs typeface="Courier"/>
+              </a:rPr>
+              <a:t>"</a:t>
+            </a:r>
+            <a:r>
+              <a:rPr lang="en-US" sz="1500" dirty="0" err="1">
+                <a:solidFill>
+                  <a:srgbClr val="00B050"/>
+                </a:solidFill>
+                <a:latin typeface="Courier" pitchFamily="2" charset="0"/>
+                <a:cs typeface="Courier"/>
+              </a:rPr>
+              <a:t>npetraco</a:t>
+            </a:r>
+            <a:r>
+              <a:rPr lang="en-US" sz="1500" dirty="0">
+                <a:solidFill>
+                  <a:srgbClr val="00B050"/>
+                </a:solidFill>
+                <a:latin typeface="Courier" pitchFamily="2" charset="0"/>
+                <a:cs typeface="Courier"/>
+              </a:rPr>
+              <a:t>/che302r"</a:t>
+            </a:r>
+            <a:r>
+              <a:rPr lang="en-US" sz="1500" dirty="0">
+                <a:solidFill>
+                  <a:schemeClr val="bg1"/>
+                </a:solidFill>
+                <a:latin typeface="Courier" pitchFamily="2" charset="0"/>
+                <a:cs typeface="Courier"/>
+              </a:rPr>
+              <a:t>) </a:t>
+            </a:r>
+            <a:r>
+              <a:rPr lang="en-US" sz="1500" dirty="0">
+                <a:solidFill>
+                  <a:srgbClr val="FFFF00"/>
+                </a:solidFill>
+                <a:latin typeface="Courier" pitchFamily="2" charset="0"/>
+                <a:cs typeface="Courier"/>
+              </a:rPr>
+              <a:t># install our che302r library</a:t>
+            </a:r>
+          </a:p>
+        </p:txBody>
+      </p:sp>
+      <p:pic>
+        <p:nvPicPr>
+          <p:cNvPr id="3" name="Picture 2">
+            <a:extLst>
+              <a:ext uri="{FF2B5EF4-FFF2-40B4-BE49-F238E27FC236}">
+                <a16:creationId xmlns:a16="http://schemas.microsoft.com/office/drawing/2014/main" id="{7321B80D-EA3D-D14C-9DCC-49F546841B93}"/>
+              </a:ext>
+            </a:extLst>
+          </p:cNvPr>
+          <p:cNvPicPr>
+            <a:picLocks noChangeAspect="1" noChangeArrowheads="1"/>
+          </p:cNvPicPr>
+          <p:nvPr/>
+        </p:nvPicPr>
+        <p:blipFill>
+          <a:blip r:embed="rId2"/>
+          <a:srcRect/>
+          <a:stretch>
+            <a:fillRect/>
+          </a:stretch>
+        </p:blipFill>
+        <p:spPr bwMode="auto">
+          <a:xfrm>
+            <a:off x="231776" y="263525"/>
+            <a:ext cx="8351838" cy="243412"/>
+          </a:xfrm>
+          <a:prstGeom prst="rect">
+            <a:avLst/>
+          </a:prstGeom>
+          <a:noFill/>
+          <a:ln w="9525">
+            <a:noFill/>
+            <a:round/>
+            <a:headEnd/>
+            <a:tailEnd/>
+          </a:ln>
+        </p:spPr>
+      </p:pic>
+      <p:sp>
+        <p:nvSpPr>
+          <p:cNvPr id="7" name="Rectangle 5">
+            <a:extLst>
+              <a:ext uri="{FF2B5EF4-FFF2-40B4-BE49-F238E27FC236}">
+                <a16:creationId xmlns:a16="http://schemas.microsoft.com/office/drawing/2014/main" id="{8E5D768A-9504-5D4F-A64F-196A97DC3ED1}"/>
+              </a:ext>
+            </a:extLst>
+          </p:cNvPr>
+          <p:cNvSpPr>
+            <a:spLocks noChangeArrowheads="1"/>
+          </p:cNvSpPr>
+          <p:nvPr/>
+        </p:nvSpPr>
+        <p:spPr bwMode="auto">
+          <a:xfrm>
+            <a:off x="228600" y="1534444"/>
+            <a:ext cx="8686800" cy="941157"/>
+          </a:xfrm>
+          <a:prstGeom prst="rect">
+            <a:avLst/>
+          </a:prstGeom>
+          <a:noFill/>
+          <a:ln w="9525">
+            <a:noFill/>
+            <a:round/>
+            <a:headEnd/>
+            <a:tailEnd/>
+          </a:ln>
+        </p:spPr>
+        <p:txBody>
+          <a:bodyPr lIns="0" tIns="0" rIns="0" bIns="0"/>
+          <a:lstStyle/>
+          <a:p>
+            <a:pPr marL="430213" indent="-323850">
+              <a:spcBef>
+                <a:spcPts val="800"/>
+              </a:spcBef>
+              <a:buClr>
+                <a:srgbClr val="000000"/>
+              </a:buClr>
+              <a:buSzPct val="100000"/>
+              <a:buFont typeface="Arial"/>
+              <a:buChar char="•"/>
+              <a:tabLst>
+                <a:tab pos="430213" algn="l"/>
+                <a:tab pos="1344613" algn="l"/>
+                <a:tab pos="2259013" algn="l"/>
+                <a:tab pos="3173413" algn="l"/>
+                <a:tab pos="4087813" algn="l"/>
+                <a:tab pos="5002213" algn="l"/>
+                <a:tab pos="5916613" algn="l"/>
+                <a:tab pos="6831013" algn="l"/>
+                <a:tab pos="7745413" algn="l"/>
+                <a:tab pos="8659813" algn="l"/>
+                <a:tab pos="9574213" algn="l"/>
+                <a:tab pos="10488613" algn="l"/>
+              </a:tabLst>
+            </a:pPr>
+            <a:r>
+              <a:rPr lang="en-GB" sz="2800" dirty="0">
+                <a:solidFill>
+                  <a:srgbClr val="000000"/>
+                </a:solidFill>
+                <a:latin typeface="Times New Roman" pitchFamily="18" charset="0"/>
+              </a:rPr>
+              <a:t>First install the che302r library:</a:t>
+            </a:r>
+            <a:endParaRPr lang="en-GB" sz="2800" b="1" dirty="0">
+              <a:solidFill>
+                <a:srgbClr val="000000"/>
+              </a:solidFill>
+              <a:latin typeface="Times New Roman" pitchFamily="18" charset="0"/>
+            </a:endParaRPr>
+          </a:p>
+        </p:txBody>
+      </p:sp>
+      <p:sp>
+        <p:nvSpPr>
+          <p:cNvPr id="8" name="Rectangle 4">
+            <a:extLst>
+              <a:ext uri="{FF2B5EF4-FFF2-40B4-BE49-F238E27FC236}">
+                <a16:creationId xmlns:a16="http://schemas.microsoft.com/office/drawing/2014/main" id="{87AC3B66-6BF1-864C-AB33-7F23C99947C6}"/>
+              </a:ext>
+            </a:extLst>
+          </p:cNvPr>
+          <p:cNvSpPr>
+            <a:spLocks noChangeArrowheads="1"/>
+          </p:cNvSpPr>
+          <p:nvPr/>
+        </p:nvSpPr>
+        <p:spPr bwMode="auto">
+          <a:xfrm>
+            <a:off x="231775" y="332601"/>
+            <a:ext cx="8607425" cy="1127125"/>
+          </a:xfrm>
+          <a:prstGeom prst="rect">
+            <a:avLst/>
+          </a:prstGeom>
+          <a:noFill/>
+          <a:ln w="9525">
+            <a:noFill/>
+            <a:round/>
+            <a:headEnd/>
+            <a:tailEnd/>
+          </a:ln>
+        </p:spPr>
+        <p:txBody>
+          <a:bodyPr lIns="0" tIns="0" rIns="0" bIns="0" anchor="ctr"/>
+          <a:lstStyle/>
+          <a:p>
+            <a:pPr algn="ctr">
+              <a:buClr>
+                <a:srgbClr val="000000"/>
+              </a:buClr>
+              <a:buSzPct val="100000"/>
+              <a:buFont typeface="Times New Roman" pitchFamily="18" charset="0"/>
+              <a:buNone/>
+              <a:tabLst>
+                <a:tab pos="0" algn="l"/>
+                <a:tab pos="914400" algn="l"/>
+                <a:tab pos="1828800" algn="l"/>
+                <a:tab pos="2743200" algn="l"/>
+                <a:tab pos="3657600" algn="l"/>
+                <a:tab pos="4572000" algn="l"/>
+                <a:tab pos="5486400" algn="l"/>
+                <a:tab pos="6400800" algn="l"/>
+                <a:tab pos="7315200" algn="l"/>
+                <a:tab pos="8229600" algn="l"/>
+                <a:tab pos="9144000" algn="l"/>
+                <a:tab pos="10058400" algn="l"/>
+              </a:tabLst>
+            </a:pPr>
+            <a:r>
+              <a:rPr lang="en-GB" sz="4000" dirty="0">
+                <a:solidFill>
+                  <a:srgbClr val="000000"/>
+                </a:solidFill>
+                <a:latin typeface="Times New Roman" pitchFamily="18" charset="0"/>
+              </a:rPr>
+              <a:t>che302r library</a:t>
+            </a:r>
+          </a:p>
+        </p:txBody>
+      </p:sp>
+    </p:spTree>
+    <p:extLst>
+      <p:ext uri="{BB962C8B-B14F-4D97-AF65-F5344CB8AC3E}">
+        <p14:creationId xmlns:p14="http://schemas.microsoft.com/office/powerpoint/2010/main" val="176937988"/>
+      </p:ext>
+    </p:extLst>
+  </p:cSld>
+  <p:clrMapOvr>
+    <a:masterClrMapping/>
+  </p:clrMapOvr>
+</p:sld>
+</file>
+
+<file path=ppt/slides/slide5.xml><?xml version="1.0" encoding="utf-8"?>
+<p:sld xmlns:a="http://schemas.openxmlformats.org/drawingml/2006/main" xmlns:r="http://schemas.openxmlformats.org/officeDocument/2006/relationships" xmlns:p="http://schemas.openxmlformats.org/presentationml/2006/main">
+  <p:cSld>
+    <p:spTree>
+      <p:nvGrpSpPr>
+        <p:cNvPr id="1" name="">
+          <a:extLst>
+            <a:ext uri="{FF2B5EF4-FFF2-40B4-BE49-F238E27FC236}">
+              <a16:creationId xmlns:a16="http://schemas.microsoft.com/office/drawing/2014/main" id="{B59D1C3F-9478-4745-6500-770A37E9729F}"/>
+            </a:ext>
+          </a:extLst>
+        </p:cNvPr>
+        <p:cNvGrpSpPr/>
+        <p:nvPr/>
+      </p:nvGrpSpPr>
+      <p:grpSpPr>
+        <a:xfrm>
+          <a:off x="0" y="0"/>
+          <a:ext cx="0" cy="0"/>
+          <a:chOff x="0" y="0"/>
+          <a:chExt cx="0" cy="0"/>
+        </a:xfrm>
+      </p:grpSpPr>
+      <p:sp>
+        <p:nvSpPr>
+          <p:cNvPr id="2" name="Rectangle 1">
+            <a:extLst>
+              <a:ext uri="{FF2B5EF4-FFF2-40B4-BE49-F238E27FC236}">
+                <a16:creationId xmlns:a16="http://schemas.microsoft.com/office/drawing/2014/main" id="{5D920011-4773-EC73-8BD5-DEDC26D6469A}"/>
+              </a:ext>
+            </a:extLst>
+          </p:cNvPr>
+          <p:cNvSpPr/>
+          <p:nvPr/>
+        </p:nvSpPr>
+        <p:spPr>
+          <a:xfrm>
+            <a:off x="228600" y="2146513"/>
+            <a:ext cx="8548889" cy="3785652"/>
+          </a:xfrm>
+          <a:prstGeom prst="rect">
+            <a:avLst/>
+          </a:prstGeom>
+          <a:solidFill>
+            <a:srgbClr val="000C78"/>
+          </a:solidFill>
+        </p:spPr>
+        <p:txBody>
+          <a:bodyPr wrap="square">
+            <a:spAutoFit/>
+          </a:bodyPr>
+          <a:lstStyle/>
+          <a:p>
+            <a:r>
+              <a:rPr lang="en-US" sz="2000" dirty="0">
+                <a:solidFill>
+                  <a:schemeClr val="accent6"/>
+                </a:solidFill>
+                <a:latin typeface="Courier" pitchFamily="2" charset="0"/>
+                <a:cs typeface="Courier"/>
+              </a:rPr>
+              <a:t>library</a:t>
+            </a:r>
+            <a:r>
+              <a:rPr lang="en-US" sz="2000" dirty="0">
+                <a:solidFill>
+                  <a:schemeClr val="bg1"/>
+                </a:solidFill>
+                <a:latin typeface="Courier" pitchFamily="2" charset="0"/>
+                <a:cs typeface="Courier"/>
+              </a:rPr>
+              <a:t>(che302r)</a:t>
+            </a:r>
+          </a:p>
+          <a:p>
+            <a:endParaRPr lang="en-US" sz="2000" dirty="0">
+              <a:solidFill>
+                <a:schemeClr val="bg1"/>
+              </a:solidFill>
+              <a:latin typeface="Courier" pitchFamily="2" charset="0"/>
+              <a:cs typeface="Courier"/>
+            </a:endParaRPr>
+          </a:p>
+          <a:p>
+            <a:r>
+              <a:rPr lang="en-US" sz="2000" dirty="0">
+                <a:solidFill>
+                  <a:srgbClr val="FFFF00"/>
+                </a:solidFill>
+                <a:latin typeface="Courier" pitchFamily="2" charset="0"/>
+                <a:cs typeface="Courier"/>
+              </a:rPr>
+              <a:t># Some pre-defined constants:</a:t>
+            </a:r>
+          </a:p>
+          <a:p>
+            <a:r>
+              <a:rPr lang="en-US" sz="2000" dirty="0">
+                <a:solidFill>
+                  <a:schemeClr val="bg1"/>
+                </a:solidFill>
+                <a:latin typeface="Courier" pitchFamily="2" charset="0"/>
+                <a:cs typeface="Courier"/>
+              </a:rPr>
+              <a:t>h  </a:t>
+            </a:r>
+            <a:r>
+              <a:rPr lang="en-US" sz="2000" dirty="0">
+                <a:solidFill>
+                  <a:srgbClr val="FFFF00"/>
+                </a:solidFill>
+                <a:latin typeface="Courier" pitchFamily="2" charset="0"/>
+                <a:cs typeface="Courier"/>
+              </a:rPr>
+              <a:t># Planck's const</a:t>
+            </a:r>
+          </a:p>
+          <a:p>
+            <a:r>
+              <a:rPr lang="en-US" sz="2000" dirty="0" err="1">
+                <a:solidFill>
+                  <a:schemeClr val="bg1"/>
+                </a:solidFill>
+                <a:latin typeface="Courier" pitchFamily="2" charset="0"/>
+                <a:cs typeface="Courier"/>
+              </a:rPr>
+              <a:t>hb</a:t>
+            </a:r>
+            <a:r>
+              <a:rPr lang="en-US" sz="2000" dirty="0">
+                <a:solidFill>
+                  <a:schemeClr val="bg1"/>
+                </a:solidFill>
+                <a:latin typeface="Courier" pitchFamily="2" charset="0"/>
+                <a:cs typeface="Courier"/>
+              </a:rPr>
+              <a:t> </a:t>
+            </a:r>
+            <a:r>
+              <a:rPr lang="en-US" sz="2000" dirty="0">
+                <a:solidFill>
+                  <a:srgbClr val="FFFF00"/>
+                </a:solidFill>
+                <a:latin typeface="Courier" pitchFamily="2" charset="0"/>
+                <a:cs typeface="Courier"/>
+              </a:rPr>
+              <a:t># Reduced Planck's const</a:t>
+            </a:r>
+          </a:p>
+          <a:p>
+            <a:r>
+              <a:rPr lang="en-US" sz="2000" dirty="0">
+                <a:solidFill>
+                  <a:schemeClr val="bg1"/>
+                </a:solidFill>
+                <a:latin typeface="Courier" pitchFamily="2" charset="0"/>
+                <a:cs typeface="Courier"/>
+              </a:rPr>
+              <a:t>cl </a:t>
+            </a:r>
+            <a:r>
+              <a:rPr lang="en-US" sz="2000" dirty="0">
+                <a:solidFill>
+                  <a:srgbClr val="FFFF00"/>
+                </a:solidFill>
+                <a:latin typeface="Courier" pitchFamily="2" charset="0"/>
+                <a:cs typeface="Courier"/>
+              </a:rPr>
+              <a:t># Speed of light</a:t>
+            </a:r>
+          </a:p>
+          <a:p>
+            <a:r>
+              <a:rPr lang="en-US" sz="2000" dirty="0">
+                <a:solidFill>
+                  <a:schemeClr val="bg1"/>
+                </a:solidFill>
+                <a:latin typeface="Courier" pitchFamily="2" charset="0"/>
+                <a:cs typeface="Courier"/>
+              </a:rPr>
+              <a:t>kB </a:t>
+            </a:r>
+            <a:r>
+              <a:rPr lang="en-US" sz="2000" dirty="0">
+                <a:solidFill>
+                  <a:srgbClr val="FFFF00"/>
+                </a:solidFill>
+                <a:latin typeface="Courier" pitchFamily="2" charset="0"/>
+                <a:cs typeface="Courier"/>
+              </a:rPr>
+              <a:t># Boltzmann's const</a:t>
+            </a:r>
+          </a:p>
+          <a:p>
+            <a:endParaRPr lang="en-US" sz="2000" dirty="0">
+              <a:solidFill>
+                <a:schemeClr val="bg1"/>
+              </a:solidFill>
+              <a:latin typeface="Courier" pitchFamily="2" charset="0"/>
+              <a:cs typeface="Courier"/>
+            </a:endParaRPr>
+          </a:p>
+          <a:p>
+            <a:r>
+              <a:rPr lang="en-US" sz="2000" dirty="0">
+                <a:solidFill>
+                  <a:srgbClr val="FFFF00"/>
+                </a:solidFill>
+                <a:latin typeface="Courier" pitchFamily="2" charset="0"/>
+                <a:cs typeface="Courier"/>
+              </a:rPr>
+              <a:t># What other constants are currently in che302r?:</a:t>
+            </a:r>
+          </a:p>
+          <a:p>
+            <a:r>
+              <a:rPr lang="en-US" sz="2000" dirty="0">
+                <a:solidFill>
+                  <a:schemeClr val="bg1"/>
+                </a:solidFill>
+                <a:latin typeface="Courier" pitchFamily="2" charset="0"/>
+                <a:cs typeface="Courier"/>
+              </a:rPr>
+              <a:t>?constants</a:t>
+            </a:r>
+          </a:p>
+          <a:p>
+            <a:endParaRPr lang="en-US" sz="2000" dirty="0">
+              <a:solidFill>
+                <a:schemeClr val="bg1"/>
+              </a:solidFill>
+              <a:latin typeface="Courier" pitchFamily="2" charset="0"/>
+              <a:cs typeface="Courier"/>
+            </a:endParaRPr>
+          </a:p>
+          <a:p>
+            <a:r>
+              <a:rPr lang="en-US" sz="2000" dirty="0">
+                <a:solidFill>
+                  <a:srgbClr val="FFFF00"/>
+                </a:solidFill>
+                <a:latin typeface="Courier" pitchFamily="2" charset="0"/>
+                <a:cs typeface="Courier"/>
+              </a:rPr>
+              <a:t># Check out current help for anything in the library:</a:t>
+            </a:r>
+          </a:p>
+        </p:txBody>
+      </p:sp>
+      <p:pic>
+        <p:nvPicPr>
+          <p:cNvPr id="3" name="Picture 2">
+            <a:extLst>
+              <a:ext uri="{FF2B5EF4-FFF2-40B4-BE49-F238E27FC236}">
+                <a16:creationId xmlns:a16="http://schemas.microsoft.com/office/drawing/2014/main" id="{411290F0-5EDD-F170-39D5-25E189DD4B59}"/>
+              </a:ext>
+            </a:extLst>
+          </p:cNvPr>
+          <p:cNvPicPr>
+            <a:picLocks noChangeAspect="1" noChangeArrowheads="1"/>
+          </p:cNvPicPr>
+          <p:nvPr/>
+        </p:nvPicPr>
+        <p:blipFill>
+          <a:blip r:embed="rId2"/>
+          <a:srcRect/>
+          <a:stretch>
+            <a:fillRect/>
+          </a:stretch>
+        </p:blipFill>
+        <p:spPr bwMode="auto">
+          <a:xfrm>
+            <a:off x="231776" y="263525"/>
+            <a:ext cx="8351838" cy="243412"/>
+          </a:xfrm>
+          <a:prstGeom prst="rect">
+            <a:avLst/>
+          </a:prstGeom>
+          <a:noFill/>
+          <a:ln w="9525">
+            <a:noFill/>
+            <a:round/>
+            <a:headEnd/>
+            <a:tailEnd/>
+          </a:ln>
+        </p:spPr>
+      </p:pic>
+      <p:sp>
+        <p:nvSpPr>
+          <p:cNvPr id="7" name="Rectangle 5">
+            <a:extLst>
+              <a:ext uri="{FF2B5EF4-FFF2-40B4-BE49-F238E27FC236}">
+                <a16:creationId xmlns:a16="http://schemas.microsoft.com/office/drawing/2014/main" id="{0A8B1697-BEC6-EEAC-82D1-79F80129BBEE}"/>
+              </a:ext>
+            </a:extLst>
+          </p:cNvPr>
+          <p:cNvSpPr>
+            <a:spLocks noChangeArrowheads="1"/>
+          </p:cNvSpPr>
+          <p:nvPr/>
+        </p:nvSpPr>
+        <p:spPr bwMode="auto">
+          <a:xfrm>
+            <a:off x="228600" y="1534444"/>
+            <a:ext cx="8686800" cy="941157"/>
+          </a:xfrm>
+          <a:prstGeom prst="rect">
+            <a:avLst/>
+          </a:prstGeom>
+          <a:noFill/>
+          <a:ln w="9525">
+            <a:noFill/>
+            <a:round/>
+            <a:headEnd/>
+            <a:tailEnd/>
+          </a:ln>
+        </p:spPr>
+        <p:txBody>
+          <a:bodyPr lIns="0" tIns="0" rIns="0" bIns="0"/>
+          <a:lstStyle/>
+          <a:p>
+            <a:pPr marL="430213" indent="-323850">
+              <a:spcBef>
+                <a:spcPts val="800"/>
+              </a:spcBef>
+              <a:buClr>
+                <a:srgbClr val="000000"/>
+              </a:buClr>
+              <a:buSzPct val="100000"/>
+              <a:buFont typeface="Arial"/>
+              <a:buChar char="•"/>
+              <a:tabLst>
+                <a:tab pos="430213" algn="l"/>
+                <a:tab pos="1344613" algn="l"/>
+                <a:tab pos="2259013" algn="l"/>
+                <a:tab pos="3173413" algn="l"/>
+                <a:tab pos="4087813" algn="l"/>
+                <a:tab pos="5002213" algn="l"/>
+                <a:tab pos="5916613" algn="l"/>
+                <a:tab pos="6831013" algn="l"/>
+                <a:tab pos="7745413" algn="l"/>
+                <a:tab pos="8659813" algn="l"/>
+                <a:tab pos="9574213" algn="l"/>
+                <a:tab pos="10488613" algn="l"/>
+              </a:tabLst>
+            </a:pPr>
+            <a:r>
+              <a:rPr lang="en-GB" sz="2800" dirty="0">
+                <a:solidFill>
+                  <a:srgbClr val="000000"/>
+                </a:solidFill>
+                <a:latin typeface="Times New Roman" pitchFamily="18" charset="0"/>
+              </a:rPr>
+              <a:t>Quick tour of the che302r library:</a:t>
+            </a:r>
+            <a:endParaRPr lang="en-GB" sz="2800" b="1" dirty="0">
+              <a:solidFill>
+                <a:srgbClr val="000000"/>
+              </a:solidFill>
+              <a:latin typeface="Times New Roman" pitchFamily="18" charset="0"/>
+            </a:endParaRPr>
+          </a:p>
+        </p:txBody>
+      </p:sp>
+      <p:sp>
+        <p:nvSpPr>
+          <p:cNvPr id="8" name="Rectangle 4">
+            <a:extLst>
+              <a:ext uri="{FF2B5EF4-FFF2-40B4-BE49-F238E27FC236}">
+                <a16:creationId xmlns:a16="http://schemas.microsoft.com/office/drawing/2014/main" id="{AEDC9851-519B-4176-6846-C126163BD8E6}"/>
+              </a:ext>
+            </a:extLst>
+          </p:cNvPr>
+          <p:cNvSpPr>
+            <a:spLocks noChangeArrowheads="1"/>
+          </p:cNvSpPr>
+          <p:nvPr/>
+        </p:nvSpPr>
+        <p:spPr bwMode="auto">
+          <a:xfrm>
+            <a:off x="231775" y="332601"/>
+            <a:ext cx="8607425" cy="1127125"/>
+          </a:xfrm>
+          <a:prstGeom prst="rect">
+            <a:avLst/>
+          </a:prstGeom>
+          <a:noFill/>
+          <a:ln w="9525">
+            <a:noFill/>
+            <a:round/>
+            <a:headEnd/>
+            <a:tailEnd/>
+          </a:ln>
+        </p:spPr>
+        <p:txBody>
+          <a:bodyPr lIns="0" tIns="0" rIns="0" bIns="0" anchor="ctr"/>
+          <a:lstStyle/>
+          <a:p>
+            <a:pPr algn="ctr">
+              <a:buClr>
+                <a:srgbClr val="000000"/>
+              </a:buClr>
+              <a:buSzPct val="100000"/>
+              <a:buFont typeface="Times New Roman" pitchFamily="18" charset="0"/>
+              <a:buNone/>
+              <a:tabLst>
+                <a:tab pos="0" algn="l"/>
+                <a:tab pos="914400" algn="l"/>
+                <a:tab pos="1828800" algn="l"/>
+                <a:tab pos="2743200" algn="l"/>
+                <a:tab pos="3657600" algn="l"/>
+                <a:tab pos="4572000" algn="l"/>
+                <a:tab pos="5486400" algn="l"/>
+                <a:tab pos="6400800" algn="l"/>
+                <a:tab pos="7315200" algn="l"/>
+                <a:tab pos="8229600" algn="l"/>
+                <a:tab pos="9144000" algn="l"/>
+                <a:tab pos="10058400" algn="l"/>
+              </a:tabLst>
+            </a:pPr>
+            <a:r>
+              <a:rPr lang="en-GB" sz="4000" dirty="0">
+                <a:solidFill>
+                  <a:srgbClr val="000000"/>
+                </a:solidFill>
+                <a:latin typeface="Times New Roman" pitchFamily="18" charset="0"/>
+              </a:rPr>
+              <a:t>che302r library</a:t>
+            </a:r>
+          </a:p>
+        </p:txBody>
+      </p:sp>
+    </p:spTree>
+    <p:extLst>
+      <p:ext uri="{BB962C8B-B14F-4D97-AF65-F5344CB8AC3E}">
+        <p14:creationId xmlns:p14="http://schemas.microsoft.com/office/powerpoint/2010/main" val="1820845936"/>
+      </p:ext>
+    </p:extLst>
+  </p:cSld>
+  <p:clrMapOvr>
+    <a:masterClrMapping/>
+  </p:clrMapOvr>
+</p:sld>
+</file>
+
+<file path=ppt/slides/slide6.xml><?xml version="1.0" encoding="utf-8"?>
+<p:sld xmlns:a="http://schemas.openxmlformats.org/drawingml/2006/main" xmlns:r="http://schemas.openxmlformats.org/officeDocument/2006/relationships" xmlns:p="http://schemas.openxmlformats.org/presentationml/2006/main">
+  <p:cSld>
+    <p:spTree>
+      <p:nvGrpSpPr>
+        <p:cNvPr id="1" name=""/>
+        <p:cNvGrpSpPr/>
+        <p:nvPr/>
+      </p:nvGrpSpPr>
+      <p:grpSpPr>
+        <a:xfrm>
+          <a:off x="0" y="0"/>
+          <a:ext cx="0" cy="0"/>
+          <a:chOff x="0" y="0"/>
+          <a:chExt cx="0" cy="0"/>
+        </a:xfrm>
+      </p:grpSpPr>
       <p:pic>
         <p:nvPicPr>
           <p:cNvPr id="2" name="Picture 2"/>
@@ -4098,116 +4956,13 @@
       </p:pic>
       <p:sp>
         <p:nvSpPr>
-          <p:cNvPr id="5" name="Rectangle 4"/>
-          <p:cNvSpPr/>
-          <p:nvPr/>
-        </p:nvSpPr>
-        <p:spPr>
-          <a:xfrm>
-            <a:off x="385017" y="700912"/>
-            <a:ext cx="8454183" cy="1077218"/>
-          </a:xfrm>
-          <a:prstGeom prst="rect">
-            <a:avLst/>
-          </a:prstGeom>
-          <a:solidFill>
-            <a:srgbClr val="000C78"/>
-          </a:solidFill>
-        </p:spPr>
-        <p:txBody>
-          <a:bodyPr wrap="square">
-            <a:spAutoFit/>
-          </a:bodyPr>
-          <a:lstStyle/>
-          <a:p>
-            <a:r>
-              <a:rPr lang="en-US" sz="1600" dirty="0">
-                <a:solidFill>
-                  <a:srgbClr val="FFFF00"/>
-                </a:solidFill>
-                <a:latin typeface="Courier"/>
-                <a:cs typeface="Courier"/>
-              </a:rPr>
-              <a:t># Define Constants:</a:t>
-            </a:r>
-          </a:p>
-          <a:p>
-            <a:r>
-              <a:rPr lang="en-US" sz="1600" dirty="0">
-                <a:solidFill>
-                  <a:schemeClr val="bg1"/>
-                </a:solidFill>
-                <a:latin typeface="Courier"/>
-                <a:cs typeface="Courier"/>
-              </a:rPr>
-              <a:t>h  &lt;- 6.626068e-34   </a:t>
-            </a:r>
-            <a:r>
-              <a:rPr lang="en-US" sz="1600" dirty="0">
-                <a:solidFill>
-                  <a:srgbClr val="FFFF00"/>
-                </a:solidFill>
-                <a:latin typeface="Courier"/>
-                <a:cs typeface="Courier"/>
-              </a:rPr>
-              <a:t># Planck's const</a:t>
-            </a:r>
-          </a:p>
-          <a:p>
-            <a:r>
-              <a:rPr lang="en-US" sz="1600" dirty="0">
-                <a:solidFill>
-                  <a:schemeClr val="bg1"/>
-                </a:solidFill>
-                <a:latin typeface="Courier"/>
-                <a:cs typeface="Courier"/>
-              </a:rPr>
-              <a:t>cl &lt;- 299792458      </a:t>
-            </a:r>
-            <a:r>
-              <a:rPr lang="en-US" sz="1600" dirty="0">
-                <a:solidFill>
-                  <a:srgbClr val="FFFF00"/>
-                </a:solidFill>
-                <a:latin typeface="Courier"/>
-                <a:cs typeface="Courier"/>
-              </a:rPr>
-              <a:t># Speed of light</a:t>
-            </a:r>
-          </a:p>
-          <a:p>
-            <a:r>
-              <a:rPr lang="en-US" sz="1600" dirty="0">
-                <a:solidFill>
-                  <a:schemeClr val="bg1"/>
-                </a:solidFill>
-                <a:latin typeface="Courier"/>
-                <a:cs typeface="Courier"/>
-              </a:rPr>
-              <a:t>kB &lt;- 1.3806503e-23  </a:t>
-            </a:r>
-            <a:r>
-              <a:rPr lang="en-US" sz="1600" dirty="0">
-                <a:solidFill>
-                  <a:srgbClr val="FFFF00"/>
-                </a:solidFill>
-                <a:latin typeface="Courier"/>
-                <a:cs typeface="Courier"/>
-              </a:rPr>
-              <a:t># Boltzmann's const</a:t>
-            </a:r>
-          </a:p>
-        </p:txBody>
-      </p:sp>
-      <p:sp>
-        <p:nvSpPr>
           <p:cNvPr id="6" name="Rectangle 5"/>
           <p:cNvSpPr/>
           <p:nvPr/>
         </p:nvSpPr>
         <p:spPr>
           <a:xfrm>
-            <a:off x="391291" y="2169365"/>
+            <a:off x="332676" y="1700445"/>
             <a:ext cx="8454183" cy="4031873"/>
           </a:xfrm>
           <a:prstGeom prst="rect">
@@ -4769,6 +5524,44 @@
                 <a:cs typeface="Courier"/>
               </a:rPr>
               <a:t>}</a:t>
+            </a:r>
+          </a:p>
+        </p:txBody>
+      </p:sp>
+      <p:sp>
+        <p:nvSpPr>
+          <p:cNvPr id="3" name="TextBox 2">
+            <a:extLst>
+              <a:ext uri="{FF2B5EF4-FFF2-40B4-BE49-F238E27FC236}">
+                <a16:creationId xmlns:a16="http://schemas.microsoft.com/office/drawing/2014/main" id="{5F3CB63F-2CDE-8CA1-6B1B-45B8D3654F47}"/>
+              </a:ext>
+            </a:extLst>
+          </p:cNvPr>
+          <p:cNvSpPr txBox="1"/>
+          <p:nvPr/>
+        </p:nvSpPr>
+        <p:spPr>
+          <a:xfrm>
+            <a:off x="2818634" y="726302"/>
+            <a:ext cx="3902030" cy="707886"/>
+          </a:xfrm>
+          <a:prstGeom prst="rect">
+            <a:avLst/>
+          </a:prstGeom>
+          <a:noFill/>
+        </p:spPr>
+        <p:txBody>
+          <a:bodyPr wrap="none" rtlCol="0">
+            <a:spAutoFit/>
+          </a:bodyPr>
+          <a:lstStyle/>
+          <a:p>
+            <a:r>
+              <a:rPr lang="en-US" sz="4000" dirty="0">
+                <a:latin typeface="Times New Roman" panose="02020603050405020304" pitchFamily="18" charset="0"/>
+                <a:cs typeface="Times New Roman" panose="02020603050405020304" pitchFamily="18" charset="0"/>
+              </a:rPr>
+              <a:t>Coding Example  </a:t>
             </a:r>
           </a:p>
         </p:txBody>
@@ -4910,7 +5703,7 @@
 </p:sld>
 </file>
 
-<file path=ppt/slides/slide5.xml><?xml version="1.0" encoding="utf-8"?>
+<file path=ppt/slides/slide7.xml><?xml version="1.0" encoding="utf-8"?>
 <p:sld xmlns:a="http://schemas.openxmlformats.org/drawingml/2006/main" xmlns:r="http://schemas.openxmlformats.org/officeDocument/2006/relationships" xmlns:p="http://schemas.openxmlformats.org/presentationml/2006/main">
   <p:cSld>
     <p:spTree>
